--- a/scraping.pptx
+++ b/scraping.pptx
@@ -128,7 +128,7 @@
   </p:defaultTextStyle>
   <p:extLst>
     <p:ext uri="{EFAFB233-063F-42B5-8137-9DF3F51BA10A}">
-      <p15:sldGuideLst xmlns:p15="http://schemas.microsoft.com/office/powerpoint/2012/main">
+      <p15:sldGuideLst xmlns:p15="http://schemas.microsoft.com/office/powerpoint/2012/main" xmlns="">
         <p15:guide id="1" orient="horz" pos="2160">
           <p15:clr>
             <a:srgbClr val="A4A3A4"/>
@@ -142,7 +142,7 @@
       </p15:sldGuideLst>
     </p:ext>
     <p:ext uri="{2D200454-40CA-4A62-9FC3-DE9A4176ACB9}">
-      <p15:notesGuideLst xmlns:p15="http://schemas.microsoft.com/office/powerpoint/2012/main">
+      <p15:notesGuideLst xmlns:p15="http://schemas.microsoft.com/office/powerpoint/2012/main" xmlns="">
         <p15:guide id="1" orient="horz" pos="2880">
           <p15:clr>
             <a:srgbClr val="A4A3A4"/>
@@ -241,7 +241,7 @@
           <a:p>
             <a:fld id="{1AACD1D9-1617-4F50-B590-822B065337F2}" type="datetimeFigureOut">
               <a:rPr lang="en-US" smtClean="0"/>
-              <a:t>2/27/16</a:t>
+              <a:t>3/6/16</a:t>
             </a:fld>
             <a:endParaRPr lang="en-US"/>
           </a:p>
@@ -411,7 +411,7 @@
           <a:p>
             <a:fld id="{9A6700E3-52BD-463D-9204-A530AB1750E5}" type="datetimeFigureOut">
               <a:rPr lang="en-US" smtClean="0"/>
-              <a:t>2/27/16</a:t>
+              <a:t>3/6/16</a:t>
             </a:fld>
             <a:endParaRPr lang="en-US"/>
           </a:p>
@@ -865,7 +865,7 @@
           <a:p>
             <a:fld id="{AD972CE9-BAA3-4B67-9C6C-D1FDF16F9010}" type="datetime1">
               <a:rPr lang="en-US" smtClean="0"/>
-              <a:t>2/27/16</a:t>
+              <a:t>3/6/16</a:t>
             </a:fld>
             <a:endParaRPr lang="en-US"/>
           </a:p>
@@ -1035,7 +1035,7 @@
           <a:p>
             <a:fld id="{97061B24-B066-4F54-A3DE-1A3031C2E97B}" type="datetime1">
               <a:rPr lang="en-US" smtClean="0"/>
-              <a:t>2/27/16</a:t>
+              <a:t>3/6/16</a:t>
             </a:fld>
             <a:endParaRPr lang="en-US"/>
           </a:p>
@@ -1215,7 +1215,7 @@
           <a:p>
             <a:fld id="{17689547-49FA-41FF-B578-F213BAA6EE4C}" type="datetime1">
               <a:rPr lang="en-US" smtClean="0"/>
-              <a:t>2/27/16</a:t>
+              <a:t>3/6/16</a:t>
             </a:fld>
             <a:endParaRPr lang="en-US"/>
           </a:p>
@@ -1385,7 +1385,7 @@
           <a:p>
             <a:fld id="{01BD1425-8CB9-4051-A0CC-57482B4423DD}" type="datetime1">
               <a:rPr lang="en-US" smtClean="0"/>
-              <a:t>2/27/16</a:t>
+              <a:t>3/6/16</a:t>
             </a:fld>
             <a:endParaRPr lang="en-US"/>
           </a:p>
@@ -1503,7 +1503,7 @@
           <a:p>
             <a:fld id="{BB2A5F4E-CB67-4254-AA74-E419660C6BD6}" type="datetime1">
               <a:rPr lang="en-US" smtClean="0"/>
-              <a:t>2/27/16</a:t>
+              <a:t>3/6/16</a:t>
             </a:fld>
             <a:endParaRPr lang="en-US" dirty="0"/>
           </a:p>
@@ -1565,7 +1565,7 @@
   <p:timing>
     <p:tnLst>
       <p:par>
-        <p:cTn id="1" dur="indefinite" restart="never" nodeType="tmRoot"/>
+        <p:cTn xmlns:p14="http://schemas.microsoft.com/office/powerpoint/2010/main" id="1" dur="indefinite" restart="never" nodeType="tmRoot"/>
       </p:par>
     </p:tnLst>
   </p:timing>
@@ -1629,7 +1629,7 @@
           <a:p>
             <a:fld id="{C69BFADB-5E02-4BD1-8C34-EE427F309A61}" type="datetime1">
               <a:rPr lang="en-US" smtClean="0"/>
-              <a:t>2/27/16</a:t>
+              <a:t>3/6/16</a:t>
             </a:fld>
             <a:endParaRPr lang="en-US" dirty="0"/>
           </a:p>
@@ -1691,7 +1691,7 @@
   <p:timing>
     <p:tnLst>
       <p:par>
-        <p:cTn id="1" dur="indefinite" restart="never" nodeType="tmRoot"/>
+        <p:cTn xmlns:p14="http://schemas.microsoft.com/office/powerpoint/2010/main" id="1" dur="indefinite" restart="never" nodeType="tmRoot"/>
       </p:par>
     </p:tnLst>
   </p:timing>
@@ -1879,7 +1879,7 @@
           <a:p>
             <a:fld id="{5ECBBA1F-3981-4513-8AA8-3144358AB941}" type="datetime1">
               <a:rPr lang="en-US" smtClean="0"/>
-              <a:t>2/27/16</a:t>
+              <a:t>3/6/16</a:t>
             </a:fld>
             <a:endParaRPr lang="en-US"/>
           </a:p>
@@ -1940,7 +1940,7 @@
   <p:timing>
     <p:tnLst>
       <p:par>
-        <p:cTn id="1" dur="indefinite" restart="never" nodeType="tmRoot"/>
+        <p:cTn xmlns:p14="http://schemas.microsoft.com/office/powerpoint/2010/main" id="1" dur="indefinite" restart="never" nodeType="tmRoot"/>
       </p:par>
     </p:tnLst>
   </p:timing>
@@ -2056,7 +2056,7 @@
           <a:p>
             <a:fld id="{A91C35E5-B179-419E-ADE3-CC4AA6F7D82C}" type="datetime1">
               <a:rPr lang="en-US" smtClean="0"/>
-              <a:t>2/27/16</a:t>
+              <a:t>3/6/16</a:t>
             </a:fld>
             <a:endParaRPr lang="en-US"/>
           </a:p>
@@ -2302,7 +2302,7 @@
           <a:p>
             <a:fld id="{9771D5C3-7F40-4C67-8918-B9A80AE46E60}" type="datetime1">
               <a:rPr lang="en-US" smtClean="0"/>
-              <a:t>2/27/16</a:t>
+              <a:t>3/6/16</a:t>
             </a:fld>
             <a:endParaRPr lang="en-US"/>
           </a:p>
@@ -2590,7 +2590,7 @@
           <a:p>
             <a:fld id="{6D25902A-E399-4258-8C34-AF9E04BCE7B7}" type="datetime1">
               <a:rPr lang="en-US" smtClean="0"/>
-              <a:t>2/27/16</a:t>
+              <a:t>3/6/16</a:t>
             </a:fld>
             <a:endParaRPr lang="en-US"/>
           </a:p>
@@ -3012,7 +3012,7 @@
           <a:p>
             <a:fld id="{1B93BF8A-6AFE-4569-9967-2D5446734FD3}" type="datetime1">
               <a:rPr lang="en-US" smtClean="0"/>
-              <a:t>2/27/16</a:t>
+              <a:t>3/6/16</a:t>
             </a:fld>
             <a:endParaRPr lang="en-US"/>
           </a:p>
@@ -3182,7 +3182,7 @@
           <a:p>
             <a:fld id="{05CE3A3B-DF60-424E-8C0A-92ADFBBC524C}" type="datetime1">
               <a:rPr lang="en-US" smtClean="0"/>
-              <a:t>2/27/16</a:t>
+              <a:t>3/6/16</a:t>
             </a:fld>
             <a:endParaRPr lang="en-US"/>
           </a:p>
@@ -3300,7 +3300,7 @@
           <a:p>
             <a:fld id="{C4E2D2E3-C11B-4F88-8C95-F04159FADB5F}" type="datetime1">
               <a:rPr lang="en-US" smtClean="0"/>
-              <a:t>2/27/16</a:t>
+              <a:t>3/6/16</a:t>
             </a:fld>
             <a:endParaRPr lang="en-US"/>
           </a:p>
@@ -3395,7 +3395,7 @@
           <a:p>
             <a:fld id="{C458BFB1-F8AA-4A5D-BC4F-91C4CEFA181E}" type="datetime1">
               <a:rPr lang="en-US" smtClean="0"/>
-              <a:t>2/27/16</a:t>
+              <a:t>3/6/16</a:t>
             </a:fld>
             <a:endParaRPr lang="en-US"/>
           </a:p>
@@ -3672,7 +3672,7 @@
           <a:p>
             <a:fld id="{CA5727CF-E0AA-405C-8488-405C0A7E4D8D}" type="datetime1">
               <a:rPr lang="en-US" smtClean="0"/>
-              <a:t>2/27/16</a:t>
+              <a:t>3/6/16</a:t>
             </a:fld>
             <a:endParaRPr lang="en-US"/>
           </a:p>
@@ -3925,7 +3925,7 @@
           <a:p>
             <a:fld id="{586503EB-DBA1-433E-839E-5DB3DC45D091}" type="datetime1">
               <a:rPr lang="en-US" smtClean="0"/>
-              <a:t>2/27/16</a:t>
+              <a:t>3/6/16</a:t>
             </a:fld>
             <a:endParaRPr lang="en-US"/>
           </a:p>
@@ -4095,7 +4095,7 @@
           <a:p>
             <a:fld id="{A670184B-6D39-4F19-8569-550A1100BFAC}" type="datetime1">
               <a:rPr lang="en-US" smtClean="0"/>
-              <a:t>2/27/16</a:t>
+              <a:t>3/6/16</a:t>
             </a:fld>
             <a:endParaRPr lang="en-US"/>
           </a:p>
@@ -4275,7 +4275,7 @@
           <a:p>
             <a:fld id="{FC8B3086-CF9F-421E-A1F8-B5689EF7FCA9}" type="datetime1">
               <a:rPr lang="en-US" smtClean="0"/>
-              <a:t>2/27/16</a:t>
+              <a:t>3/6/16</a:t>
             </a:fld>
             <a:endParaRPr lang="en-US"/>
           </a:p>
@@ -4521,7 +4521,7 @@
           <a:p>
             <a:fld id="{F8D48D9C-C7ED-4AB4-90F4-CF934B2202EA}" type="datetime1">
               <a:rPr lang="en-US" smtClean="0"/>
-              <a:t>2/27/16</a:t>
+              <a:t>3/6/16</a:t>
             </a:fld>
             <a:endParaRPr lang="en-US"/>
           </a:p>
@@ -4809,7 +4809,7 @@
           <a:p>
             <a:fld id="{AC58F28F-96FF-4CAF-ADDA-28329FD6AAD6}" type="datetime1">
               <a:rPr lang="en-US" smtClean="0"/>
-              <a:t>2/27/16</a:t>
+              <a:t>3/6/16</a:t>
             </a:fld>
             <a:endParaRPr lang="en-US"/>
           </a:p>
@@ -5231,7 +5231,7 @@
           <a:p>
             <a:fld id="{9CF3D061-906E-4C4F-B15D-E2F121DCA25A}" type="datetime1">
               <a:rPr lang="en-US" smtClean="0"/>
-              <a:t>2/27/16</a:t>
+              <a:t>3/6/16</a:t>
             </a:fld>
             <a:endParaRPr lang="en-US"/>
           </a:p>
@@ -5349,7 +5349,7 @@
           <a:p>
             <a:fld id="{937D464E-1A9D-47D5-93E1-6B29D8E5E72B}" type="datetime1">
               <a:rPr lang="en-US" smtClean="0"/>
-              <a:t>2/27/16</a:t>
+              <a:t>3/6/16</a:t>
             </a:fld>
             <a:endParaRPr lang="en-US"/>
           </a:p>
@@ -5444,7 +5444,7 @@
           <a:p>
             <a:fld id="{689FDE1F-84F9-42F1-9165-59CD6A815480}" type="datetime1">
               <a:rPr lang="en-US" smtClean="0"/>
-              <a:t>2/27/16</a:t>
+              <a:t>3/6/16</a:t>
             </a:fld>
             <a:endParaRPr lang="en-US"/>
           </a:p>
@@ -5721,7 +5721,7 @@
           <a:p>
             <a:fld id="{29E27A24-2894-492B-BA5D-6F72A47A3F0C}" type="datetime1">
               <a:rPr lang="en-US" smtClean="0"/>
-              <a:t>2/27/16</a:t>
+              <a:t>3/6/16</a:t>
             </a:fld>
             <a:endParaRPr lang="en-US"/>
           </a:p>
@@ -5974,7 +5974,7 @@
           <a:p>
             <a:fld id="{99B518CC-4C23-4DE3-A8D8-0994970BD0DB}" type="datetime1">
               <a:rPr lang="en-US" smtClean="0"/>
-              <a:t>2/27/16</a:t>
+              <a:t>3/6/16</a:t>
             </a:fld>
             <a:endParaRPr lang="en-US"/>
           </a:p>
@@ -6190,7 +6190,7 @@
           <a:p>
             <a:fld id="{4151F927-355F-4D79-A871-4ADB77D08539}" type="datetime1">
               <a:rPr lang="en-US" smtClean="0"/>
-              <a:t>2/27/16</a:t>
+              <a:t>3/6/16</a:t>
             </a:fld>
             <a:endParaRPr lang="en-US" dirty="0"/>
           </a:p>
@@ -6333,7 +6333,7 @@
   <p:timing>
     <p:tnLst>
       <p:par>
-        <p:cTn id="1" dur="indefinite" restart="never" nodeType="tmRoot"/>
+        <p:cTn xmlns:p14="http://schemas.microsoft.com/office/powerpoint/2010/main" id="1" dur="indefinite" restart="never" nodeType="tmRoot"/>
       </p:par>
     </p:tnLst>
   </p:timing>
@@ -6743,7 +6743,7 @@
           <a:p>
             <a:fld id="{F991204E-3986-478D-A0F2-5591EBC9EACF}" type="datetime1">
               <a:rPr lang="en-US" smtClean="0"/>
-              <a:t>2/27/16</a:t>
+              <a:t>3/6/16</a:t>
             </a:fld>
             <a:endParaRPr lang="en-US"/>
           </a:p>
@@ -6851,7 +6851,7 @@
   <p:timing>
     <p:tnLst>
       <p:par>
-        <p:cTn id="1" dur="indefinite" restart="never" nodeType="tmRoot"/>
+        <p:cTn xmlns:p14="http://schemas.microsoft.com/office/powerpoint/2010/main" id="1" dur="indefinite" restart="never" nodeType="tmRoot"/>
       </p:par>
     </p:tnLst>
   </p:timing>
@@ -7250,15 +7250,7 @@
                   <a:schemeClr val="tx1"/>
                 </a:solidFill>
               </a:rPr>
-              <a:t>Tom </a:t>
-            </a:r>
-            <a:r>
-              <a:rPr lang="en-US" sz="2700" dirty="0" smtClean="0">
-                <a:solidFill>
-                  <a:schemeClr val="tx1"/>
-                </a:solidFill>
-              </a:rPr>
-              <a:t>Johnson – tom@jtjohnson.com</a:t>
+              <a:t>Tom Johnson – tom@jtjohnson.com</a:t>
             </a:r>
             <a:r>
               <a:rPr lang="en-US" sz="4000" dirty="0" smtClean="0">
@@ -7315,7 +7307,7 @@
   <p:timing>
     <p:tnLst>
       <p:par>
-        <p:cTn id="1" dur="indefinite" restart="never" nodeType="tmRoot"/>
+        <p:cTn xmlns:p14="http://schemas.microsoft.com/office/powerpoint/2010/main" id="1" dur="indefinite" restart="never" nodeType="tmRoot"/>
       </p:par>
     </p:tnLst>
   </p:timing>
@@ -8179,13 +8171,21 @@
             </a:pPr>
             <a:r>
               <a:rPr lang="en-US" sz="2800" dirty="0" smtClean="0"/>
-              <a:t>We’ll follow the first part of the </a:t>
+              <a:t>We’ll follow </a:t>
+            </a:r>
+            <a:r>
+              <a:rPr lang="en-US" sz="2800" dirty="0" smtClean="0"/>
+              <a:t>a </a:t>
             </a:r>
             <a:r>
               <a:rPr lang="en-US" sz="2800" dirty="0" smtClean="0">
                 <a:hlinkClick r:id="rId2"/>
               </a:rPr>
               <a:t>tutorial</a:t>
+            </a:r>
+            <a:r>
+              <a:rPr lang="en-US" sz="2800" dirty="0" smtClean="0"/>
+              <a:t> I created…</a:t>
             </a:r>
             <a:endParaRPr lang="en-US" sz="2800" dirty="0"/>
           </a:p>
@@ -8705,7 +8705,7 @@
   <p:timing>
     <p:tnLst>
       <p:par>
-        <p:cTn id="1" dur="indefinite" restart="never" nodeType="tmRoot"/>
+        <p:cTn xmlns:p14="http://schemas.microsoft.com/office/powerpoint/2010/main" id="1" dur="indefinite" restart="never" nodeType="tmRoot"/>
       </p:par>
     </p:tnLst>
   </p:timing>
